--- a/trunk/lessions/Android_Par09_Sound.pptx
+++ b/trunk/lessions/Android_Par09_Sound.pptx
@@ -372,6 +372,11 @@
         </p:txBody>
       </p:sp>
     </p:spTree>
+    <p:extLst>
+      <p:ext uri="{BB962C8B-B14F-4D97-AF65-F5344CB8AC3E}">
+        <p14:creationId xmlns:p14="http://schemas.microsoft.com/office/powerpoint/2010/main" val="1118017757"/>
+      </p:ext>
+    </p:extLst>
   </p:cSld>
   <p:clrMap bg1="lt1" tx1="dk1" bg2="lt2" tx2="dk2" accent1="accent1" accent2="accent2" accent3="accent3" accent4="accent4" accent5="accent5" accent6="accent6" hlink="hlink" folHlink="folHlink"/>
 </p:handoutMaster>
@@ -498,7 +503,7 @@
         <p:nvSpPr>
           <p:cNvPr id="13316" name="Rectangle 4"/>
           <p:cNvSpPr>
-            <a:spLocks noGrp="1" noRot="1" noChangeArrowheads="1" noTextEdit="1"/>
+            <a:spLocks noGrp="1" noRot="1" noChangeAspect="1" noChangeArrowheads="1" noTextEdit="1"/>
           </p:cNvSpPr>
           <p:nvPr>
             <p:ph type="sldImg" idx="2"/>
@@ -694,6 +699,11 @@
         </p:txBody>
       </p:sp>
     </p:spTree>
+    <p:extLst>
+      <p:ext uri="{BB962C8B-B14F-4D97-AF65-F5344CB8AC3E}">
+        <p14:creationId xmlns:p14="http://schemas.microsoft.com/office/powerpoint/2010/main" val="468119795"/>
+      </p:ext>
+    </p:extLst>
   </p:cSld>
   <p:clrMap bg1="lt1" tx1="dk1" bg2="lt2" tx2="dk2" accent1="accent1" accent2="accent2" accent3="accent3" accent4="accent4" accent5="accent5" accent6="accent6" hlink="hlink" folHlink="folHlink"/>
   <p:notesStyle>
@@ -868,7 +878,7 @@
         <p:nvSpPr>
           <p:cNvPr id="16386" name="Rectangle 2"/>
           <p:cNvSpPr>
-            <a:spLocks noGrp="1" noRot="1" noChangeArrowheads="1" noTextEdit="1"/>
+            <a:spLocks noGrp="1" noRot="1" noChangeAspect="1" noChangeArrowheads="1" noTextEdit="1"/>
           </p:cNvSpPr>
           <p:nvPr>
             <p:ph type="sldImg"/>
@@ -2205,7 +2215,7 @@
               <a:pPr>
                 <a:defRPr/>
               </a:pPr>
-              <a:t>07/11/2011</a:t>
+              <a:t>23/05/2012</a:t>
             </a:fld>
             <a:endParaRPr lang="en-US"/>
           </a:p>
@@ -2373,7 +2383,7 @@
               <a:pPr>
                 <a:defRPr/>
               </a:pPr>
-              <a:t>07/11/2011</a:t>
+              <a:t>23/05/2012</a:t>
             </a:fld>
             <a:endParaRPr lang="en-US"/>
           </a:p>
@@ -2584,7 +2594,7 @@
               <a:pPr>
                 <a:defRPr/>
               </a:pPr>
-              <a:t>07/11/2011</a:t>
+              <a:t>23/05/2012</a:t>
             </a:fld>
             <a:endParaRPr lang="en-US"/>
           </a:p>
@@ -2785,7 +2795,7 @@
               <a:pPr>
                 <a:defRPr/>
               </a:pPr>
-              <a:t>07/11/2011</a:t>
+              <a:t>23/05/2012</a:t>
             </a:fld>
             <a:endParaRPr lang="en-US"/>
           </a:p>
@@ -3008,7 +3018,7 @@
               <a:pPr>
                 <a:defRPr/>
               </a:pPr>
-              <a:t>07/11/2011</a:t>
+              <a:t>23/05/2012</a:t>
             </a:fld>
             <a:endParaRPr lang="en-US"/>
           </a:p>
@@ -3327,7 +3337,7 @@
               <a:pPr>
                 <a:defRPr/>
               </a:pPr>
-              <a:t>07/11/2011</a:t>
+              <a:t>23/05/2012</a:t>
             </a:fld>
             <a:endParaRPr lang="en-US"/>
           </a:p>
@@ -3785,7 +3795,7 @@
               <a:pPr>
                 <a:defRPr/>
               </a:pPr>
-              <a:t>07/11/2011</a:t>
+              <a:t>23/05/2012</a:t>
             </a:fld>
             <a:endParaRPr lang="en-US"/>
           </a:p>
@@ -3934,7 +3944,7 @@
               <a:pPr>
                 <a:defRPr/>
               </a:pPr>
-              <a:t>07/11/2011</a:t>
+              <a:t>23/05/2012</a:t>
             </a:fld>
             <a:endParaRPr lang="en-US"/>
           </a:p>
@@ -4060,7 +4070,7 @@
               <a:pPr>
                 <a:defRPr/>
               </a:pPr>
-              <a:t>07/11/2011</a:t>
+              <a:t>23/05/2012</a:t>
             </a:fld>
             <a:endParaRPr lang="en-US"/>
           </a:p>
@@ -4368,7 +4378,7 @@
               <a:pPr>
                 <a:defRPr/>
               </a:pPr>
-              <a:t>07/11/2011</a:t>
+              <a:t>23/05/2012</a:t>
             </a:fld>
             <a:endParaRPr lang="en-US"/>
           </a:p>
@@ -4653,7 +4663,7 @@
               <a:pPr>
                 <a:defRPr/>
               </a:pPr>
-              <a:t>07/11/2011</a:t>
+              <a:t>23/05/2012</a:t>
             </a:fld>
             <a:endParaRPr lang="en-US"/>
           </a:p>
@@ -5219,7 +5229,7 @@
               <a:pPr>
                 <a:defRPr/>
               </a:pPr>
-              <a:t>07/11/2011</a:t>
+              <a:t>23/05/2012</a:t>
             </a:fld>
             <a:endParaRPr lang="en-US"/>
           </a:p>
@@ -5844,7 +5854,7 @@
             <a:fld id="{2A97EE38-429A-4E75-8827-03984526FDDC}" type="datetime1">
               <a:rPr lang="vi-VN" smtClean="0"/>
               <a:pPr/>
-              <a:t>07/11/2011</a:t>
+              <a:t>23/05/2012</a:t>
             </a:fld>
             <a:endParaRPr lang="en-US" smtClean="0"/>
           </a:p>
@@ -5921,16 +5931,101 @@
           <a:p>
             <a:pPr algn="r" eaLnBrk="1" hangingPunct="1"/>
             <a:r>
+              <a:rPr lang="en-US" dirty="0" err="1" smtClean="0"/>
+              <a:t>Lập</a:t>
+            </a:r>
+            <a:r>
+              <a:rPr lang="en-US" dirty="0" smtClean="0"/>
+              <a:t> </a:t>
+            </a:r>
+            <a:r>
+              <a:rPr lang="en-US" dirty="0" err="1" smtClean="0"/>
+              <a:t>trình</a:t>
+            </a:r>
+            <a:r>
+              <a:rPr lang="en-US" dirty="0" smtClean="0"/>
+              <a:t> </a:t>
+            </a:r>
+            <a:r>
+              <a:rPr lang="en-US" dirty="0" err="1" smtClean="0"/>
+              <a:t>trên</a:t>
+            </a:r>
+            <a:r>
+              <a:rPr lang="en-US" dirty="0" smtClean="0"/>
+              <a:t> Android</a:t>
+            </a:r>
+            <a:br>
+              <a:rPr lang="en-US" dirty="0" smtClean="0"/>
+            </a:br>
+            <a:r>
+              <a:rPr lang="en-US" dirty="0" err="1" smtClean="0"/>
+              <a:t>Phần</a:t>
+            </a:r>
+            <a:r>
+              <a:rPr lang="en-US" dirty="0" smtClean="0"/>
+              <a:t> </a:t>
+            </a:r>
+            <a:r>
+              <a:rPr lang="en-US" dirty="0" smtClean="0"/>
+              <a:t>9 </a:t>
+            </a:r>
+            <a:r>
+              <a:rPr lang="en-US" dirty="0" smtClean="0"/>
+              <a:t>– </a:t>
+            </a:r>
+            <a:r>
+              <a:rPr lang="en-US" dirty="0" err="1" smtClean="0"/>
+              <a:t>Xử</a:t>
+            </a:r>
+            <a:r>
+              <a:rPr lang="en-US" dirty="0" smtClean="0"/>
+              <a:t> </a:t>
+            </a:r>
+            <a:r>
+              <a:rPr lang="en-US" dirty="0" err="1" smtClean="0"/>
+              <a:t>lý</a:t>
+            </a:r>
+            <a:r>
+              <a:rPr lang="en-US" dirty="0" smtClean="0"/>
+              <a:t> </a:t>
+            </a:r>
+            <a:r>
+              <a:rPr lang="en-US" dirty="0" err="1" smtClean="0"/>
+              <a:t>thể</a:t>
+            </a:r>
+            <a:r>
+              <a:rPr lang="en-US" dirty="0" smtClean="0"/>
+              <a:t> </a:t>
+            </a:r>
+            <a:r>
+              <a:rPr lang="en-US" dirty="0" err="1" smtClean="0"/>
+              <a:t>hiện</a:t>
+            </a:r>
+            <a:r>
+              <a:rPr lang="en-US" dirty="0"/>
+              <a:t> </a:t>
+            </a:r>
+            <a:r>
+              <a:rPr lang="en-US" dirty="0" err="1" smtClean="0"/>
+              <a:t>Âm</a:t>
+            </a:r>
+            <a:r>
+              <a:rPr lang="en-US" dirty="0" smtClean="0"/>
+              <a:t> </a:t>
+            </a:r>
+            <a:r>
+              <a:rPr lang="en-US" dirty="0" err="1" smtClean="0"/>
+              <a:t>thanh</a:t>
+            </a:r>
+            <a:r>
+              <a:rPr lang="en-US" dirty="0" smtClean="0"/>
+              <a:t> </a:t>
+            </a:r>
+            <a:r>
               <a:rPr lang="en-US" smtClean="0"/>
-              <a:t>Lập trình trên Android</a:t>
-            </a:r>
-            <a:br>
-              <a:rPr lang="en-US" smtClean="0"/>
-            </a:br>
-            <a:r>
-              <a:rPr lang="en-US" smtClean="0"/>
-              <a:t>Phần 4 – Lưu trữ dữ liệu</a:t>
-            </a:r>
+              <a:t>(Sound)</a:t>
+            </a:r>
+            <a:endParaRPr lang="en-US" dirty="0" smtClean="0"/>
           </a:p>
         </p:txBody>
       </p:sp>
@@ -6524,7 +6619,7 @@
             <a:fld id="{8C8BD879-BB48-4AFA-88D3-FF94540E736A}" type="datetime1">
               <a:rPr lang="vi-VN" smtClean="0"/>
               <a:pPr/>
-              <a:t>07/11/2011</a:t>
+              <a:t>23/05/2012</a:t>
             </a:fld>
             <a:endParaRPr lang="en-US" smtClean="0"/>
           </a:p>
@@ -6965,7 +7060,7 @@
           <a:p>
             <a:r>
               <a:rPr lang="en-US" smtClean="0">
-                <a:hlinkClick r:id="rId3"/>
+                <a:hlinkClick r:id="rId2"/>
               </a:rPr>
               <a:t>setStreamMute</a:t>
             </a:r>
@@ -6977,7 +7072,7 @@
           <a:p>
             <a:r>
               <a:rPr lang="en-US" smtClean="0">
-                <a:hlinkClick r:id="rId4"/>
+                <a:hlinkClick r:id="rId2"/>
               </a:rPr>
               <a:t>get/setVibrateSetting</a:t>
             </a:r>
@@ -7119,7 +7214,7 @@
             <a:pPr lvl="2"/>
             <a:r>
               <a:rPr lang="en-US" sz="1600" smtClean="0">
-                <a:hlinkClick r:id="rId4"/>
+                <a:hlinkClick r:id="rId3"/>
               </a:rPr>
               <a:t>setDataSource(FileDescriptor)</a:t>
             </a:r>
@@ -7132,7 +7227,7 @@
             <a:pPr lvl="2"/>
             <a:r>
               <a:rPr lang="en-US" sz="1600" smtClean="0">
-                <a:hlinkClick r:id="rId5"/>
+                <a:hlinkClick r:id="rId3"/>
               </a:rPr>
               <a:t>setDataSource(String)</a:t>
             </a:r>
@@ -7142,7 +7237,7 @@
             <a:pPr lvl="2"/>
             <a:r>
               <a:rPr lang="en-US" sz="1600" smtClean="0">
-                <a:hlinkClick r:id="rId6"/>
+                <a:hlinkClick r:id="rId3"/>
               </a:rPr>
               <a:t>setDataSource(Context, Uri)</a:t>
             </a:r>
@@ -7152,7 +7247,7 @@
             <a:pPr lvl="2"/>
             <a:r>
               <a:rPr lang="en-US" sz="1600" smtClean="0">
-                <a:hlinkClick r:id="rId7"/>
+                <a:hlinkClick r:id="rId3"/>
               </a:rPr>
               <a:t>setDataSource(FileDescriptor, long, long)</a:t>
             </a:r>
@@ -7175,7 +7270,7 @@
             </a:r>
             <a:r>
               <a:rPr lang="en-US" sz="2000" smtClean="0">
-                <a:hlinkClick r:id="rId8"/>
+                <a:hlinkClick r:id="rId4"/>
               </a:rPr>
               <a:t>http://developer.android.com/guide/appendix/media-formats.html</a:t>
             </a:r>
